--- a/PresentationBachelorProef.pptx
+++ b/PresentationBachelorProef.pptx
@@ -3248,38 +3248,38 @@
           <a:p>
             <a:pPr lvl="0"/>
             <a:r>
-              <a:rPr lang="en-GB"/>
+              <a:rPr lang="en-GB" dirty="0"/>
               <a:t>Click to edit Master text styles</a:t>
             </a:r>
           </a:p>
           <a:p>
             <a:pPr lvl="1"/>
             <a:r>
-              <a:rPr lang="en-GB"/>
+              <a:rPr lang="en-GB" dirty="0"/>
               <a:t>Second level</a:t>
             </a:r>
           </a:p>
           <a:p>
             <a:pPr lvl="2"/>
             <a:r>
-              <a:rPr lang="en-GB"/>
+              <a:rPr lang="en-GB" dirty="0"/>
               <a:t>Third level</a:t>
             </a:r>
           </a:p>
           <a:p>
             <a:pPr lvl="3"/>
             <a:r>
-              <a:rPr lang="en-GB"/>
+              <a:rPr lang="en-GB" dirty="0"/>
               <a:t>Fourth level</a:t>
             </a:r>
           </a:p>
           <a:p>
             <a:pPr lvl="4"/>
             <a:r>
-              <a:rPr lang="en-GB"/>
+              <a:rPr lang="en-GB" dirty="0"/>
               <a:t>Fifth level</a:t>
             </a:r>
-            <a:endParaRPr lang="en-BE"/>
+            <a:endParaRPr lang="en-BE" dirty="0"/>
           </a:p>
         </p:txBody>
       </p:sp>
@@ -3424,6 +3424,78 @@
           </a:p>
         </p:txBody>
       </p:sp>
+      <p:pic>
+        <p:nvPicPr>
+          <p:cNvPr id="8" name="Picture 7" descr="A red laser beam in the dark&#10;&#10;Description automatically generated">
+            <a:extLst>
+              <a:ext uri="{FF2B5EF4-FFF2-40B4-BE49-F238E27FC236}">
+                <a16:creationId xmlns:a16="http://schemas.microsoft.com/office/drawing/2014/main" id="{1FF14FA2-15AC-6830-D3F8-883021C6A353}"/>
+              </a:ext>
+            </a:extLst>
+          </p:cNvPr>
+          <p:cNvPicPr>
+            <a:picLocks noChangeAspect="1"/>
+          </p:cNvPicPr>
+          <p:nvPr userDrawn="1"/>
+        </p:nvPicPr>
+        <p:blipFill>
+          <a:blip r:embed="rId13">
+            <a:extLst>
+              <a:ext uri="{28A0092B-C50C-407E-A947-70E740481C1C}">
+                <a14:useLocalDpi xmlns:a14="http://schemas.microsoft.com/office/drawing/2010/main" val="0"/>
+              </a:ext>
+            </a:extLst>
+          </a:blip>
+          <a:stretch>
+            <a:fillRect/>
+          </a:stretch>
+        </p:blipFill>
+        <p:spPr>
+          <a:xfrm>
+            <a:off x="0" y="6311900"/>
+            <a:ext cx="1681988" cy="546100"/>
+          </a:xfrm>
+          <a:prstGeom prst="rect">
+            <a:avLst/>
+          </a:prstGeom>
+        </p:spPr>
+      </p:pic>
+      <p:pic>
+        <p:nvPicPr>
+          <p:cNvPr id="14" name="Picture 13" descr="A blue lines in the sky&#10;&#10;Description automatically generated">
+            <a:extLst>
+              <a:ext uri="{FF2B5EF4-FFF2-40B4-BE49-F238E27FC236}">
+                <a16:creationId xmlns:a16="http://schemas.microsoft.com/office/drawing/2014/main" id="{A96E1FAD-27D9-A87F-E5BC-11C1BE6FF063}"/>
+              </a:ext>
+            </a:extLst>
+          </p:cNvPr>
+          <p:cNvPicPr>
+            <a:picLocks noChangeAspect="1"/>
+          </p:cNvPicPr>
+          <p:nvPr userDrawn="1"/>
+        </p:nvPicPr>
+        <p:blipFill>
+          <a:blip r:embed="rId14">
+            <a:extLst>
+              <a:ext uri="{28A0092B-C50C-407E-A947-70E740481C1C}">
+                <a14:useLocalDpi xmlns:a14="http://schemas.microsoft.com/office/drawing/2010/main" val="0"/>
+              </a:ext>
+            </a:extLst>
+          </a:blip>
+          <a:stretch>
+            <a:fillRect/>
+          </a:stretch>
+        </p:blipFill>
+        <p:spPr>
+          <a:xfrm>
+            <a:off x="10667997" y="0"/>
+            <a:ext cx="1524003" cy="676657"/>
+          </a:xfrm>
+          <a:prstGeom prst="rect">
+            <a:avLst/>
+          </a:prstGeom>
+        </p:spPr>
+      </p:pic>
     </p:spTree>
     <p:extLst>
       <p:ext uri="{BB962C8B-B14F-4D97-AF65-F5344CB8AC3E}">
@@ -3764,10 +3836,15 @@
         </p:nvSpPr>
         <p:spPr/>
         <p:txBody>
-          <a:bodyPr/>
-          <a:lstStyle/>
-          <a:p>
-            <a:endParaRPr lang="en-BE" dirty="0"/>
+          <a:bodyPr>
+            <a:normAutofit/>
+          </a:bodyPr>
+          <a:lstStyle/>
+          <a:p>
+            <a:r>
+              <a:rPr lang="en-BE" sz="4300" dirty="0"/>
+              <a:t>Implementing acceleration structures to optimize a sphere tracing ray marcher</a:t>
+            </a:r>
           </a:p>
         </p:txBody>
       </p:sp>
@@ -3787,12 +3864,32 @@
             <p:ph type="subTitle" idx="1"/>
           </p:nvPr>
         </p:nvSpPr>
-        <p:spPr/>
-        <p:txBody>
-          <a:bodyPr/>
-          <a:lstStyle/>
-          <a:p>
-            <a:endParaRPr lang="en-BE" dirty="0"/>
+        <p:spPr>
+          <a:xfrm>
+            <a:off x="1524000" y="4521994"/>
+            <a:ext cx="9144000" cy="1655762"/>
+          </a:xfrm>
+        </p:spPr>
+        <p:txBody>
+          <a:bodyPr/>
+          <a:lstStyle/>
+          <a:p>
+            <a:r>
+              <a:rPr lang="en-BE" dirty="0"/>
+              <a:t>Musschoot Adriaan</a:t>
+            </a:r>
+          </a:p>
+          <a:p>
+            <a:r>
+              <a:rPr lang="en-BE" dirty="0"/>
+              <a:t>Supervisor – Samyn Koen</a:t>
+            </a:r>
+          </a:p>
+          <a:p>
+            <a:r>
+              <a:rPr lang="en-BE" dirty="0"/>
+              <a:t>Coach – Geeroms Kasper</a:t>
+            </a:r>
           </a:p>
         </p:txBody>
       </p:sp>
@@ -3847,24 +3944,27 @@
           <a:bodyPr/>
           <a:lstStyle/>
           <a:p>
-            <a:endParaRPr lang="en-BE"/>
-          </a:p>
-        </p:txBody>
-      </p:sp>
-      <p:sp>
-        <p:nvSpPr>
-          <p:cNvPr id="3" name="Picture Placeholder 2">
-            <a:extLst>
-              <a:ext uri="{FF2B5EF4-FFF2-40B4-BE49-F238E27FC236}">
-                <a16:creationId xmlns:a16="http://schemas.microsoft.com/office/drawing/2014/main" id="{25C1EDF8-F9C8-DFAF-4267-471F768EE7D1}"/>
-              </a:ext>
-            </a:extLst>
-          </p:cNvPr>
-          <p:cNvSpPr>
-            <a:spLocks noGrp="1"/>
-          </p:cNvSpPr>
-          <p:nvPr>
-            <p:ph type="pic" idx="1"/>
+            <a:r>
+              <a:rPr lang="en-BE" dirty="0"/>
+              <a:t>Sphere tracing </a:t>
+            </a:r>
+          </a:p>
+        </p:txBody>
+      </p:sp>
+      <p:sp>
+        <p:nvSpPr>
+          <p:cNvPr id="4" name="Text Placeholder 3">
+            <a:extLst>
+              <a:ext uri="{FF2B5EF4-FFF2-40B4-BE49-F238E27FC236}">
+                <a16:creationId xmlns:a16="http://schemas.microsoft.com/office/drawing/2014/main" id="{15CC724A-73B1-8A22-4F8D-896CF5EB6AE2}"/>
+              </a:ext>
+            </a:extLst>
+          </p:cNvPr>
+          <p:cNvSpPr>
+            <a:spLocks noGrp="1"/>
+          </p:cNvSpPr>
+          <p:nvPr>
+            <p:ph type="body" sz="half" idx="2"/>
           </p:nvPr>
         </p:nvSpPr>
         <p:spPr/>
@@ -3872,32 +3972,44 @@
           <a:bodyPr/>
           <a:lstStyle/>
           <a:p>
-            <a:endParaRPr lang="en-BE"/>
-          </a:p>
-        </p:txBody>
-      </p:sp>
-      <p:sp>
-        <p:nvSpPr>
-          <p:cNvPr id="4" name="Text Placeholder 3">
-            <a:extLst>
-              <a:ext uri="{FF2B5EF4-FFF2-40B4-BE49-F238E27FC236}">
-                <a16:creationId xmlns:a16="http://schemas.microsoft.com/office/drawing/2014/main" id="{15CC724A-73B1-8A22-4F8D-896CF5EB6AE2}"/>
-              </a:ext>
-            </a:extLst>
-          </p:cNvPr>
-          <p:cNvSpPr>
-            <a:spLocks noGrp="1"/>
-          </p:cNvSpPr>
-          <p:nvPr>
-            <p:ph type="body" sz="half" idx="2"/>
-          </p:nvPr>
-        </p:nvSpPr>
-        <p:spPr/>
-        <p:txBody>
-          <a:bodyPr/>
-          <a:lstStyle/>
-          <a:p>
-            <a:endParaRPr lang="en-BE"/>
+            <a:pPr marL="285750" indent="-285750">
+              <a:buFontTx/>
+              <a:buChar char="-"/>
+            </a:pPr>
+            <a:r>
+              <a:rPr lang="en-BE" dirty="0"/>
+              <a:t>For each pixel cast ray</a:t>
+            </a:r>
+          </a:p>
+          <a:p>
+            <a:pPr marL="285750" indent="-285750">
+              <a:buFontTx/>
+              <a:buChar char="-"/>
+            </a:pPr>
+            <a:r>
+              <a:rPr lang="en-BE" dirty="0"/>
+              <a:t>March forward along ray</a:t>
+            </a:r>
+          </a:p>
+          <a:p>
+            <a:pPr marL="285750" indent="-285750">
+              <a:buFontTx/>
+              <a:buChar char="-"/>
+            </a:pPr>
+            <a:r>
+              <a:rPr lang="en-BE" dirty="0"/>
+              <a:t>Retrieve the distance value to the scene</a:t>
+            </a:r>
+          </a:p>
+          <a:p>
+            <a:pPr marL="285750" indent="-285750">
+              <a:buFontTx/>
+              <a:buChar char="-"/>
+            </a:pPr>
+            <a:r>
+              <a:rPr lang="en-BE" dirty="0"/>
+              <a:t>Objects represented by SDFs</a:t>
+            </a:r>
           </a:p>
         </p:txBody>
       </p:sp>
@@ -3975,6 +4087,51 @@
           </a:p>
         </p:txBody>
       </p:sp>
+      <p:pic>
+        <p:nvPicPr>
+          <p:cNvPr id="2050" name="Picture 2" descr="Raymarching distance fields - reindernijhoff.net">
+            <a:extLst>
+              <a:ext uri="{FF2B5EF4-FFF2-40B4-BE49-F238E27FC236}">
+                <a16:creationId xmlns:a16="http://schemas.microsoft.com/office/drawing/2014/main" id="{23965745-7E42-EE6F-F546-A0141DE60025}"/>
+              </a:ext>
+            </a:extLst>
+          </p:cNvPr>
+          <p:cNvPicPr>
+            <a:picLocks noGrp="1" noChangeAspect="1" noChangeArrowheads="1"/>
+          </p:cNvPicPr>
+          <p:nvPr>
+            <p:ph type="pic" idx="1"/>
+          </p:nvPr>
+        </p:nvPicPr>
+        <p:blipFill>
+          <a:blip r:embed="rId2">
+            <a:extLst>
+              <a:ext uri="{28A0092B-C50C-407E-A947-70E740481C1C}">
+                <a14:useLocalDpi xmlns:a14="http://schemas.microsoft.com/office/drawing/2010/main" val="0"/>
+              </a:ext>
+            </a:extLst>
+          </a:blip>
+          <a:srcRect l="14381" r="14381"/>
+          <a:stretch>
+            <a:fillRect/>
+          </a:stretch>
+        </p:blipFill>
+        <p:spPr bwMode="auto">
+          <a:prstGeom prst="rect">
+            <a:avLst/>
+          </a:prstGeom>
+          <a:noFill/>
+          <a:extLst>
+            <a:ext uri="{909E8E84-426E-40DD-AFC4-6F175D3DCCD1}">
+              <a14:hiddenFill xmlns:a14="http://schemas.microsoft.com/office/drawing/2010/main">
+                <a:solidFill>
+                  <a:srgbClr val="FFFFFF"/>
+                </a:solidFill>
+              </a14:hiddenFill>
+            </a:ext>
+          </a:extLst>
+        </p:spPr>
+      </p:pic>
     </p:spTree>
     <p:extLst>
       <p:ext uri="{BB962C8B-B14F-4D97-AF65-F5344CB8AC3E}">
@@ -3993,7 +4150,13 @@
   <p:cSld>
     <p:spTree>
       <p:nvGrpSpPr>
-        <p:cNvPr id="1" name=""/>
+        <p:cNvPr id="1" name="">
+          <a:extLst>
+            <a:ext uri="{FF2B5EF4-FFF2-40B4-BE49-F238E27FC236}">
+              <a16:creationId xmlns:a16="http://schemas.microsoft.com/office/drawing/2014/main" id="{185A76D8-5508-9D1D-4859-31FCFE626FD9}"/>
+            </a:ext>
+          </a:extLst>
+        </p:cNvPr>
         <p:cNvGrpSpPr/>
         <p:nvPr/>
       </p:nvGrpSpPr>
@@ -4010,7 +4173,7 @@
           <p:cNvPr id="2" name="Title 1">
             <a:extLst>
               <a:ext uri="{FF2B5EF4-FFF2-40B4-BE49-F238E27FC236}">
-                <a16:creationId xmlns:a16="http://schemas.microsoft.com/office/drawing/2014/main" id="{9A431A3F-9AB7-8DBB-840F-99FED2943DF6}"/>
+                <a16:creationId xmlns:a16="http://schemas.microsoft.com/office/drawing/2014/main" id="{070781EC-E54B-6CD3-D9BA-DE05107A877C}"/>
               </a:ext>
             </a:extLst>
           </p:cNvPr>
@@ -4026,24 +4189,27 @@
           <a:bodyPr/>
           <a:lstStyle/>
           <a:p>
-            <a:endParaRPr lang="en-BE"/>
-          </a:p>
-        </p:txBody>
-      </p:sp>
-      <p:sp>
-        <p:nvSpPr>
-          <p:cNvPr id="3" name="Text Placeholder 2">
-            <a:extLst>
-              <a:ext uri="{FF2B5EF4-FFF2-40B4-BE49-F238E27FC236}">
-                <a16:creationId xmlns:a16="http://schemas.microsoft.com/office/drawing/2014/main" id="{2130D5D6-5601-5EB8-F373-F19FE43E534A}"/>
-              </a:ext>
-            </a:extLst>
-          </p:cNvPr>
-          <p:cNvSpPr>
-            <a:spLocks noGrp="1"/>
-          </p:cNvSpPr>
-          <p:nvPr>
-            <p:ph type="body" idx="1"/>
+            <a:r>
+              <a:rPr lang="en-BE" dirty="0"/>
+              <a:t>Sphere tracing problem</a:t>
+            </a:r>
+          </a:p>
+        </p:txBody>
+      </p:sp>
+      <p:sp>
+        <p:nvSpPr>
+          <p:cNvPr id="4" name="Text Placeholder 3">
+            <a:extLst>
+              <a:ext uri="{FF2B5EF4-FFF2-40B4-BE49-F238E27FC236}">
+                <a16:creationId xmlns:a16="http://schemas.microsoft.com/office/drawing/2014/main" id="{17AC2FD7-EE55-0671-825A-576141E0E62C}"/>
+              </a:ext>
+            </a:extLst>
+          </p:cNvPr>
+          <p:cNvSpPr>
+            <a:spLocks noGrp="1"/>
+          </p:cNvSpPr>
+          <p:nvPr>
+            <p:ph type="body" sz="half" idx="2"/>
           </p:nvPr>
         </p:nvSpPr>
         <p:spPr/>
@@ -4051,16 +4217,34 @@
           <a:bodyPr/>
           <a:lstStyle/>
           <a:p>
-            <a:endParaRPr lang="en-BE"/>
-          </a:p>
-        </p:txBody>
-      </p:sp>
-      <p:sp>
-        <p:nvSpPr>
-          <p:cNvPr id="4" name="Footer Placeholder 3">
-            <a:extLst>
-              <a:ext uri="{FF2B5EF4-FFF2-40B4-BE49-F238E27FC236}">
-                <a16:creationId xmlns:a16="http://schemas.microsoft.com/office/drawing/2014/main" id="{6BF46726-811C-526D-5BC0-2E0A40D09245}"/>
+            <a:pPr marL="285750" indent="-285750">
+              <a:buFontTx/>
+              <a:buChar char="-"/>
+            </a:pPr>
+            <a:r>
+              <a:rPr lang="en-BE" dirty="0"/>
+              <a:t>Many steps for each ray</a:t>
+            </a:r>
+          </a:p>
+          <a:p>
+            <a:pPr marL="285750" indent="-285750">
+              <a:buFontTx/>
+              <a:buChar char="-"/>
+            </a:pPr>
+            <a:r>
+              <a:rPr lang="en-BE"/>
+              <a:t>Heavy computations</a:t>
+            </a:r>
+            <a:endParaRPr lang="en-BE" dirty="0"/>
+          </a:p>
+        </p:txBody>
+      </p:sp>
+      <p:sp>
+        <p:nvSpPr>
+          <p:cNvPr id="5" name="Footer Placeholder 4">
+            <a:extLst>
+              <a:ext uri="{FF2B5EF4-FFF2-40B4-BE49-F238E27FC236}">
+                <a16:creationId xmlns:a16="http://schemas.microsoft.com/office/drawing/2014/main" id="{85A43795-91B9-49AB-0B70-AEC3D845BBF7}"/>
               </a:ext>
             </a:extLst>
           </p:cNvPr>
@@ -4077,19 +4261,35 @@
           <a:lstStyle/>
           <a:p>
             <a:r>
-              <a:rPr lang="en-GB"/>
-              <a:t>Applying AABB and BVH to sphere tracing ray marching - Adriaan Musschoot</a:t>
-            </a:r>
-            <a:endParaRPr lang="en-BE"/>
-          </a:p>
-        </p:txBody>
-      </p:sp>
-      <p:sp>
-        <p:nvSpPr>
-          <p:cNvPr id="5" name="Slide Number Placeholder 4">
-            <a:extLst>
-              <a:ext uri="{FF2B5EF4-FFF2-40B4-BE49-F238E27FC236}">
-                <a16:creationId xmlns:a16="http://schemas.microsoft.com/office/drawing/2014/main" id="{5ABDFAAA-D75A-179C-D05B-DB165D9D6125}"/>
+              <a:rPr lang="en-GB" dirty="0"/>
+              <a:t>Applying AABB and BVH to </a:t>
+            </a:r>
+            <a:r>
+              <a:rPr lang="en-BE" dirty="0"/>
+              <a:t>s</a:t>
+            </a:r>
+            <a:r>
+              <a:rPr lang="en-GB" dirty="0" err="1"/>
+              <a:t>ph</a:t>
+            </a:r>
+            <a:r>
+              <a:rPr lang="en-BE" dirty="0"/>
+              <a:t>ere tracing </a:t>
+            </a:r>
+            <a:r>
+              <a:rPr lang="en-GB" dirty="0"/>
+              <a:t>ray marching - Adriaan Musschoot</a:t>
+            </a:r>
+            <a:endParaRPr lang="en-BE" dirty="0"/>
+          </a:p>
+        </p:txBody>
+      </p:sp>
+      <p:sp>
+        <p:nvSpPr>
+          <p:cNvPr id="6" name="Slide Number Placeholder 5">
+            <a:extLst>
+              <a:ext uri="{FF2B5EF4-FFF2-40B4-BE49-F238E27FC236}">
+                <a16:creationId xmlns:a16="http://schemas.microsoft.com/office/drawing/2014/main" id="{7CF8B86A-01F6-EA27-0511-83D5D9E3C716}"/>
               </a:ext>
             </a:extLst>
           </p:cNvPr>
@@ -4113,10 +4313,55 @@
           </a:p>
         </p:txBody>
       </p:sp>
+      <p:pic>
+        <p:nvPicPr>
+          <p:cNvPr id="3088" name="Picture 16" descr="Mandelbulb — Wikipédia">
+            <a:extLst>
+              <a:ext uri="{FF2B5EF4-FFF2-40B4-BE49-F238E27FC236}">
+                <a16:creationId xmlns:a16="http://schemas.microsoft.com/office/drawing/2014/main" id="{467AF2EC-CC87-65A7-4D8A-AA9567E483B9}"/>
+              </a:ext>
+            </a:extLst>
+          </p:cNvPr>
+          <p:cNvPicPr>
+            <a:picLocks noGrp="1" noChangeAspect="1" noChangeArrowheads="1"/>
+          </p:cNvPicPr>
+          <p:nvPr>
+            <p:ph type="pic" idx="1"/>
+          </p:nvPr>
+        </p:nvPicPr>
+        <p:blipFill>
+          <a:blip r:embed="rId2">
+            <a:extLst>
+              <a:ext uri="{28A0092B-C50C-407E-A947-70E740481C1C}">
+                <a14:useLocalDpi xmlns:a14="http://schemas.microsoft.com/office/drawing/2010/main" val="0"/>
+              </a:ext>
+            </a:extLst>
+          </a:blip>
+          <a:srcRect t="10520" b="10520"/>
+          <a:stretch>
+            <a:fillRect/>
+          </a:stretch>
+        </p:blipFill>
+        <p:spPr bwMode="auto">
+          <a:prstGeom prst="rect">
+            <a:avLst/>
+          </a:prstGeom>
+          <a:noFill/>
+          <a:extLst>
+            <a:ext uri="{909E8E84-426E-40DD-AFC4-6F175D3DCCD1}">
+              <a14:hiddenFill xmlns:a14="http://schemas.microsoft.com/office/drawing/2010/main">
+                <a:solidFill>
+                  <a:srgbClr val="FFFFFF"/>
+                </a:solidFill>
+              </a14:hiddenFill>
+            </a:ext>
+          </a:extLst>
+        </p:spPr>
+      </p:pic>
     </p:spTree>
     <p:extLst>
       <p:ext uri="{BB962C8B-B14F-4D97-AF65-F5344CB8AC3E}">
-        <p14:creationId xmlns:p14="http://schemas.microsoft.com/office/powerpoint/2010/main" val="2866579976"/>
+        <p14:creationId xmlns:p14="http://schemas.microsoft.com/office/powerpoint/2010/main" val="1195000298"/>
       </p:ext>
     </p:extLst>
   </p:cSld>

--- a/PresentationBachelorProef.pptx
+++ b/PresentationBachelorProef.pptx
@@ -5,12 +5,15 @@
     <p:sldMasterId id="2147483648" r:id="rId1"/>
   </p:sldMasterIdLst>
   <p:notesMasterIdLst>
-    <p:notesMasterId r:id="rId5"/>
+    <p:notesMasterId r:id="rId8"/>
   </p:notesMasterIdLst>
   <p:sldIdLst>
     <p:sldId id="256" r:id="rId2"/>
     <p:sldId id="257" r:id="rId3"/>
     <p:sldId id="258" r:id="rId4"/>
+    <p:sldId id="259" r:id="rId5"/>
+    <p:sldId id="260" r:id="rId6"/>
+    <p:sldId id="261" r:id="rId7"/>
   </p:sldIdLst>
   <p:sldSz cx="12192000" cy="6858000"/>
   <p:notesSz cx="6858000" cy="9144000"/>
@@ -109,6 +112,11 @@
       </a:defRPr>
     </a:lvl9pPr>
   </p:defaultTextStyle>
+  <p:extLst>
+    <p:ext uri="{EFAFB233-063F-42B5-8137-9DF3F51BA10A}">
+      <p15:sldGuideLst xmlns:p15="http://schemas.microsoft.com/office/powerpoint/2012/main"/>
+    </p:ext>
+  </p:extLst>
 </p:presentation>
 </file>
 
@@ -611,7 +619,7 @@
           <a:p>
             <a:fld id="{275301EC-6D1F-4131-92D4-C6C69BA52F13}" type="datetime8">
               <a:rPr lang="en-BE" smtClean="0"/>
-              <a:t>05/01/2025 17:37</a:t>
+              <a:t>05/01/2025 21:01</a:t>
             </a:fld>
             <a:endParaRPr lang="en-BE"/>
           </a:p>
@@ -815,7 +823,7 @@
           <a:p>
             <a:fld id="{ED8C08B3-DE87-4082-AF1B-6B2E05B6997A}" type="datetime8">
               <a:rPr lang="en-BE" smtClean="0"/>
-              <a:t>05/01/2025 17:37</a:t>
+              <a:t>05/01/2025 21:01</a:t>
             </a:fld>
             <a:endParaRPr lang="en-BE"/>
           </a:p>
@@ -1029,7 +1037,7 @@
           <a:p>
             <a:fld id="{B17E0040-C8E3-4BBE-9DB2-9EA799EB6C1A}" type="datetime8">
               <a:rPr lang="en-BE" smtClean="0"/>
-              <a:t>05/01/2025 17:37</a:t>
+              <a:t>05/01/2025 21:01</a:t>
             </a:fld>
             <a:endParaRPr lang="en-BE"/>
           </a:p>
@@ -1233,7 +1241,7 @@
           <a:p>
             <a:fld id="{E98BBA97-316C-4E44-90EF-C227721B8DDA}" type="datetime8">
               <a:rPr lang="en-BE" smtClean="0"/>
-              <a:t>05/01/2025 17:37</a:t>
+              <a:t>05/01/2025 21:01</a:t>
             </a:fld>
             <a:endParaRPr lang="en-BE"/>
           </a:p>
@@ -1513,7 +1521,7 @@
           <a:p>
             <a:fld id="{0475C3A9-D7A4-43AC-9F8D-ACF7DDA9EE01}" type="datetime8">
               <a:rPr lang="en-BE" smtClean="0"/>
-              <a:t>05/01/2025 17:37</a:t>
+              <a:t>05/01/2025 21:01</a:t>
             </a:fld>
             <a:endParaRPr lang="en-BE"/>
           </a:p>
@@ -1785,7 +1793,7 @@
           <a:p>
             <a:fld id="{37FA65C8-B344-42B9-B78B-ABDB9A7C3BF7}" type="datetime8">
               <a:rPr lang="en-BE" smtClean="0"/>
-              <a:t>05/01/2025 17:37</a:t>
+              <a:t>05/01/2025 21:01</a:t>
             </a:fld>
             <a:endParaRPr lang="en-BE"/>
           </a:p>
@@ -2204,7 +2212,7 @@
           <a:p>
             <a:fld id="{ED070AB3-579C-4801-8C2C-0220C575D1E7}" type="datetime8">
               <a:rPr lang="en-BE" smtClean="0"/>
-              <a:t>05/01/2025 17:37</a:t>
+              <a:t>05/01/2025 21:01</a:t>
             </a:fld>
             <a:endParaRPr lang="en-BE"/>
           </a:p>
@@ -2350,7 +2358,7 @@
           <a:p>
             <a:fld id="{2A7FB228-64FF-42DD-9514-CEA7F3A9EBCD}" type="datetime8">
               <a:rPr lang="en-BE" smtClean="0"/>
-              <a:t>05/01/2025 17:37</a:t>
+              <a:t>05/01/2025 21:01</a:t>
             </a:fld>
             <a:endParaRPr lang="en-BE"/>
           </a:p>
@@ -2467,7 +2475,7 @@
           <a:p>
             <a:fld id="{41DB9FA6-F4CE-4E67-9FDA-2F30AD06F287}" type="datetime8">
               <a:rPr lang="en-BE" smtClean="0"/>
-              <a:t>05/01/2025 17:37</a:t>
+              <a:t>05/01/2025 21:01</a:t>
             </a:fld>
             <a:endParaRPr lang="en-BE"/>
           </a:p>
@@ -2784,7 +2792,7 @@
           <a:p>
             <a:fld id="{55225A2F-915B-4F43-AB1F-45B318D035B5}" type="datetime8">
               <a:rPr lang="en-BE" smtClean="0"/>
-              <a:t>05/01/2025 17:37</a:t>
+              <a:t>05/01/2025 21:01</a:t>
             </a:fld>
             <a:endParaRPr lang="en-BE"/>
           </a:p>
@@ -3077,7 +3085,7 @@
           <a:p>
             <a:fld id="{9899F835-C274-4EDE-8682-550F88A03DB6}" type="datetime8">
               <a:rPr lang="en-BE" smtClean="0"/>
-              <a:t>05/01/2025 17:37</a:t>
+              <a:t>05/01/2025 21:01</a:t>
             </a:fld>
             <a:endParaRPr lang="en-BE"/>
           </a:p>
@@ -3176,6 +3184,36 @@
           <a:chExt cx="0" cy="0"/>
         </a:xfrm>
       </p:grpSpPr>
+      <p:pic>
+        <p:nvPicPr>
+          <p:cNvPr id="7" name="Picture 6" descr="A close up of a card&#10;&#10;Description automatically generated">
+            <a:extLst>
+              <a:ext uri="{FF2B5EF4-FFF2-40B4-BE49-F238E27FC236}">
+                <a16:creationId xmlns:a16="http://schemas.microsoft.com/office/drawing/2014/main" id="{E1540A83-ABAF-56A1-B91B-A65C4AF065F1}"/>
+              </a:ext>
+            </a:extLst>
+          </p:cNvPr>
+          <p:cNvPicPr>
+            <a:picLocks noChangeAspect="1"/>
+          </p:cNvPicPr>
+          <p:nvPr userDrawn="1"/>
+        </p:nvPicPr>
+        <p:blipFill>
+          <a:blip r:embed="rId13"/>
+          <a:stretch>
+            <a:fillRect/>
+          </a:stretch>
+        </p:blipFill>
+        <p:spPr>
+          <a:xfrm>
+            <a:off x="11264900" y="5930900"/>
+            <a:ext cx="927100" cy="927100"/>
+          </a:xfrm>
+          <a:prstGeom prst="rect">
+            <a:avLst/>
+          </a:prstGeom>
+        </p:spPr>
+      </p:pic>
       <p:sp>
         <p:nvSpPr>
           <p:cNvPr id="2" name="Title Placeholder 1">
@@ -3324,7 +3362,7 @@
           <a:p>
             <a:fld id="{EE6D9CA8-BC7A-4594-AB12-250D2833A1ED}" type="datetime8">
               <a:rPr lang="en-BE" smtClean="0"/>
-              <a:t>05/01/2025 17:37</a:t>
+              <a:t>05/01/2025 21:01</a:t>
             </a:fld>
             <a:endParaRPr lang="en-BE"/>
           </a:p>
@@ -3439,7 +3477,7 @@
           <p:nvPr userDrawn="1"/>
         </p:nvPicPr>
         <p:blipFill>
-          <a:blip r:embed="rId13">
+          <a:blip r:embed="rId14">
             <a:extLst>
               <a:ext uri="{28A0092B-C50C-407E-A947-70E740481C1C}">
                 <a14:useLocalDpi xmlns:a14="http://schemas.microsoft.com/office/drawing/2010/main" val="0"/>
@@ -3454,42 +3492,6 @@
           <a:xfrm>
             <a:off x="0" y="6311900"/>
             <a:ext cx="1681988" cy="546100"/>
-          </a:xfrm>
-          <a:prstGeom prst="rect">
-            <a:avLst/>
-          </a:prstGeom>
-        </p:spPr>
-      </p:pic>
-      <p:pic>
-        <p:nvPicPr>
-          <p:cNvPr id="14" name="Picture 13" descr="A blue lines in the sky&#10;&#10;Description automatically generated">
-            <a:extLst>
-              <a:ext uri="{FF2B5EF4-FFF2-40B4-BE49-F238E27FC236}">
-                <a16:creationId xmlns:a16="http://schemas.microsoft.com/office/drawing/2014/main" id="{A96E1FAD-27D9-A87F-E5BC-11C1BE6FF063}"/>
-              </a:ext>
-            </a:extLst>
-          </p:cNvPr>
-          <p:cNvPicPr>
-            <a:picLocks noChangeAspect="1"/>
-          </p:cNvPicPr>
-          <p:nvPr userDrawn="1"/>
-        </p:nvPicPr>
-        <p:blipFill>
-          <a:blip r:embed="rId14">
-            <a:extLst>
-              <a:ext uri="{28A0092B-C50C-407E-A947-70E740481C1C}">
-                <a14:useLocalDpi xmlns:a14="http://schemas.microsoft.com/office/drawing/2010/main" val="0"/>
-              </a:ext>
-            </a:extLst>
-          </a:blip>
-          <a:stretch>
-            <a:fillRect/>
-          </a:stretch>
-        </p:blipFill>
-        <p:spPr>
-          <a:xfrm>
-            <a:off x="10667997" y="0"/>
-            <a:ext cx="1524003" cy="676657"/>
           </a:xfrm>
           <a:prstGeom prst="rect">
             <a:avLst/>
@@ -4011,6 +4013,16 @@
               <a:t>Objects represented by SDFs</a:t>
             </a:r>
           </a:p>
+          <a:p>
+            <a:pPr marL="285750" indent="-285750">
+              <a:buFontTx/>
+              <a:buChar char="-"/>
+            </a:pPr>
+            <a:r>
+              <a:rPr lang="en-BE" dirty="0"/>
+              <a:t>Small memory footprint</a:t>
+            </a:r>
+          </a:p>
         </p:txBody>
       </p:sp>
       <p:sp>
@@ -4191,7 +4203,7 @@
           <a:p>
             <a:r>
               <a:rPr lang="en-BE" dirty="0"/>
-              <a:t>Sphere tracing problem</a:t>
+              <a:t>Sphere tracing is slow</a:t>
             </a:r>
           </a:p>
         </p:txBody>
@@ -4232,10 +4244,9 @@
               <a:buChar char="-"/>
             </a:pPr>
             <a:r>
-              <a:rPr lang="en-BE"/>
-              <a:t>Heavy computations</a:t>
-            </a:r>
-            <a:endParaRPr lang="en-BE" dirty="0"/>
+              <a:rPr lang="en-BE" dirty="0"/>
+              <a:t>Heavy computations complex shapes</a:t>
+            </a:r>
           </a:p>
         </p:txBody>
       </p:sp>
@@ -4362,6 +4373,669 @@
     <p:extLst>
       <p:ext uri="{BB962C8B-B14F-4D97-AF65-F5344CB8AC3E}">
         <p14:creationId xmlns:p14="http://schemas.microsoft.com/office/powerpoint/2010/main" val="1195000298"/>
+      </p:ext>
+    </p:extLst>
+  </p:cSld>
+  <p:clrMapOvr>
+    <a:masterClrMapping/>
+  </p:clrMapOvr>
+</p:sld>
+</file>
+
+<file path=ppt/slides/slide4.xml><?xml version="1.0" encoding="utf-8"?>
+<p:sld xmlns:a="http://schemas.openxmlformats.org/drawingml/2006/main" xmlns:r="http://schemas.openxmlformats.org/officeDocument/2006/relationships" xmlns:p="http://schemas.openxmlformats.org/presentationml/2006/main">
+  <p:cSld>
+    <p:spTree>
+      <p:nvGrpSpPr>
+        <p:cNvPr id="1" name="">
+          <a:extLst>
+            <a:ext uri="{FF2B5EF4-FFF2-40B4-BE49-F238E27FC236}">
+              <a16:creationId xmlns:a16="http://schemas.microsoft.com/office/drawing/2014/main" id="{1AC9CD75-E645-A395-B16D-0B1C33C91348}"/>
+            </a:ext>
+          </a:extLst>
+        </p:cNvPr>
+        <p:cNvGrpSpPr/>
+        <p:nvPr/>
+      </p:nvGrpSpPr>
+      <p:grpSpPr>
+        <a:xfrm>
+          <a:off x="0" y="0"/>
+          <a:ext cx="0" cy="0"/>
+          <a:chOff x="0" y="0"/>
+          <a:chExt cx="0" cy="0"/>
+        </a:xfrm>
+      </p:grpSpPr>
+      <p:sp>
+        <p:nvSpPr>
+          <p:cNvPr id="2" name="Title 1">
+            <a:extLst>
+              <a:ext uri="{FF2B5EF4-FFF2-40B4-BE49-F238E27FC236}">
+                <a16:creationId xmlns:a16="http://schemas.microsoft.com/office/drawing/2014/main" id="{69A4BCB3-4779-AC79-91B6-E3984E174C06}"/>
+              </a:ext>
+            </a:extLst>
+          </p:cNvPr>
+          <p:cNvSpPr>
+            <a:spLocks noGrp="1"/>
+          </p:cNvSpPr>
+          <p:nvPr>
+            <p:ph type="title"/>
+          </p:nvPr>
+        </p:nvSpPr>
+        <p:spPr/>
+        <p:txBody>
+          <a:bodyPr/>
+          <a:lstStyle/>
+          <a:p>
+            <a:r>
+              <a:rPr lang="en-BE" dirty="0"/>
+              <a:t>Acceleration structures</a:t>
+            </a:r>
+          </a:p>
+        </p:txBody>
+      </p:sp>
+      <p:sp>
+        <p:nvSpPr>
+          <p:cNvPr id="4" name="Text Placeholder 3">
+            <a:extLst>
+              <a:ext uri="{FF2B5EF4-FFF2-40B4-BE49-F238E27FC236}">
+                <a16:creationId xmlns:a16="http://schemas.microsoft.com/office/drawing/2014/main" id="{C8439D16-8FE2-D896-9B1D-9733D2220954}"/>
+              </a:ext>
+            </a:extLst>
+          </p:cNvPr>
+          <p:cNvSpPr>
+            <a:spLocks noGrp="1"/>
+          </p:cNvSpPr>
+          <p:nvPr>
+            <p:ph type="body" sz="half" idx="2"/>
+          </p:nvPr>
+        </p:nvSpPr>
+        <p:spPr/>
+        <p:txBody>
+          <a:bodyPr/>
+          <a:lstStyle/>
+          <a:p>
+            <a:pPr marL="285750" indent="-285750">
+              <a:buFontTx/>
+              <a:buChar char="-"/>
+            </a:pPr>
+            <a:r>
+              <a:rPr lang="en-BE" dirty="0"/>
+              <a:t>AABB</a:t>
+            </a:r>
+          </a:p>
+          <a:p>
+            <a:pPr marL="285750" indent="-285750">
+              <a:buFontTx/>
+              <a:buChar char="-"/>
+            </a:pPr>
+            <a:r>
+              <a:rPr lang="en-BE" dirty="0"/>
+              <a:t>BVH</a:t>
+            </a:r>
+          </a:p>
+        </p:txBody>
+      </p:sp>
+      <p:sp>
+        <p:nvSpPr>
+          <p:cNvPr id="5" name="Footer Placeholder 4">
+            <a:extLst>
+              <a:ext uri="{FF2B5EF4-FFF2-40B4-BE49-F238E27FC236}">
+                <a16:creationId xmlns:a16="http://schemas.microsoft.com/office/drawing/2014/main" id="{342FB71B-89A4-7CB6-63FD-35D3B017FEEB}"/>
+              </a:ext>
+            </a:extLst>
+          </p:cNvPr>
+          <p:cNvSpPr>
+            <a:spLocks noGrp="1"/>
+          </p:cNvSpPr>
+          <p:nvPr>
+            <p:ph type="ftr" sz="quarter" idx="11"/>
+          </p:nvPr>
+        </p:nvSpPr>
+        <p:spPr/>
+        <p:txBody>
+          <a:bodyPr/>
+          <a:lstStyle/>
+          <a:p>
+            <a:r>
+              <a:rPr lang="en-GB" dirty="0"/>
+              <a:t>Applying AABB and BVH to </a:t>
+            </a:r>
+            <a:r>
+              <a:rPr lang="en-BE" dirty="0"/>
+              <a:t>s</a:t>
+            </a:r>
+            <a:r>
+              <a:rPr lang="en-GB" dirty="0" err="1"/>
+              <a:t>ph</a:t>
+            </a:r>
+            <a:r>
+              <a:rPr lang="en-BE" dirty="0"/>
+              <a:t>ere tracing </a:t>
+            </a:r>
+            <a:r>
+              <a:rPr lang="en-GB" dirty="0"/>
+              <a:t>ray marching - Adriaan Musschoot</a:t>
+            </a:r>
+            <a:endParaRPr lang="en-BE" dirty="0"/>
+          </a:p>
+        </p:txBody>
+      </p:sp>
+      <p:sp>
+        <p:nvSpPr>
+          <p:cNvPr id="6" name="Slide Number Placeholder 5">
+            <a:extLst>
+              <a:ext uri="{FF2B5EF4-FFF2-40B4-BE49-F238E27FC236}">
+                <a16:creationId xmlns:a16="http://schemas.microsoft.com/office/drawing/2014/main" id="{540E0E66-E6C6-1667-5E2A-5C56048E73AD}"/>
+              </a:ext>
+            </a:extLst>
+          </p:cNvPr>
+          <p:cNvSpPr>
+            <a:spLocks noGrp="1"/>
+          </p:cNvSpPr>
+          <p:nvPr>
+            <p:ph type="sldNum" sz="quarter" idx="12"/>
+          </p:nvPr>
+        </p:nvSpPr>
+        <p:spPr/>
+        <p:txBody>
+          <a:bodyPr/>
+          <a:lstStyle/>
+          <a:p>
+            <a:fld id="{09F0A2A8-970E-44A3-88EF-EFAC9376A105}" type="slidenum">
+              <a:rPr lang="en-BE" smtClean="0"/>
+              <a:t>4</a:t>
+            </a:fld>
+            <a:endParaRPr lang="en-BE"/>
+          </a:p>
+        </p:txBody>
+      </p:sp>
+      <p:pic>
+        <p:nvPicPr>
+          <p:cNvPr id="3088" name="Picture 16" descr="Mandelbulb — Wikipédia">
+            <a:extLst>
+              <a:ext uri="{FF2B5EF4-FFF2-40B4-BE49-F238E27FC236}">
+                <a16:creationId xmlns:a16="http://schemas.microsoft.com/office/drawing/2014/main" id="{2137694D-DDBD-91C0-CD31-2189F073F9A9}"/>
+              </a:ext>
+            </a:extLst>
+          </p:cNvPr>
+          <p:cNvPicPr>
+            <a:picLocks noGrp="1" noChangeAspect="1" noChangeArrowheads="1"/>
+          </p:cNvPicPr>
+          <p:nvPr>
+            <p:ph type="pic" idx="1"/>
+          </p:nvPr>
+        </p:nvPicPr>
+        <p:blipFill>
+          <a:blip r:embed="rId2">
+            <a:extLst>
+              <a:ext uri="{28A0092B-C50C-407E-A947-70E740481C1C}">
+                <a14:useLocalDpi xmlns:a14="http://schemas.microsoft.com/office/drawing/2010/main" val="0"/>
+              </a:ext>
+            </a:extLst>
+          </a:blip>
+          <a:srcRect t="10520" b="10520"/>
+          <a:stretch>
+            <a:fillRect/>
+          </a:stretch>
+        </p:blipFill>
+        <p:spPr bwMode="auto">
+          <a:prstGeom prst="rect">
+            <a:avLst/>
+          </a:prstGeom>
+          <a:noFill/>
+          <a:extLst>
+            <a:ext uri="{909E8E84-426E-40DD-AFC4-6F175D3DCCD1}">
+              <a14:hiddenFill xmlns:a14="http://schemas.microsoft.com/office/drawing/2010/main">
+                <a:solidFill>
+                  <a:srgbClr val="FFFFFF"/>
+                </a:solidFill>
+              </a14:hiddenFill>
+            </a:ext>
+          </a:extLst>
+        </p:spPr>
+      </p:pic>
+    </p:spTree>
+    <p:extLst>
+      <p:ext uri="{BB962C8B-B14F-4D97-AF65-F5344CB8AC3E}">
+        <p14:creationId xmlns:p14="http://schemas.microsoft.com/office/powerpoint/2010/main" val="2406739268"/>
+      </p:ext>
+    </p:extLst>
+  </p:cSld>
+  <p:clrMapOvr>
+    <a:masterClrMapping/>
+  </p:clrMapOvr>
+</p:sld>
+</file>
+
+<file path=ppt/slides/slide5.xml><?xml version="1.0" encoding="utf-8"?>
+<p:sld xmlns:a="http://schemas.openxmlformats.org/drawingml/2006/main" xmlns:r="http://schemas.openxmlformats.org/officeDocument/2006/relationships" xmlns:p="http://schemas.openxmlformats.org/presentationml/2006/main">
+  <p:cSld>
+    <p:spTree>
+      <p:nvGrpSpPr>
+        <p:cNvPr id="1" name="">
+          <a:extLst>
+            <a:ext uri="{FF2B5EF4-FFF2-40B4-BE49-F238E27FC236}">
+              <a16:creationId xmlns:a16="http://schemas.microsoft.com/office/drawing/2014/main" id="{7D705CAA-54A2-77BA-DC1D-A5DAE8DD5148}"/>
+            </a:ext>
+          </a:extLst>
+        </p:cNvPr>
+        <p:cNvGrpSpPr/>
+        <p:nvPr/>
+      </p:nvGrpSpPr>
+      <p:grpSpPr>
+        <a:xfrm>
+          <a:off x="0" y="0"/>
+          <a:ext cx="0" cy="0"/>
+          <a:chOff x="0" y="0"/>
+          <a:chExt cx="0" cy="0"/>
+        </a:xfrm>
+      </p:grpSpPr>
+      <p:sp>
+        <p:nvSpPr>
+          <p:cNvPr id="2" name="Title 1">
+            <a:extLst>
+              <a:ext uri="{FF2B5EF4-FFF2-40B4-BE49-F238E27FC236}">
+                <a16:creationId xmlns:a16="http://schemas.microsoft.com/office/drawing/2014/main" id="{A14D5CAC-D18C-5ECC-AD02-94AC51916AC3}"/>
+              </a:ext>
+            </a:extLst>
+          </p:cNvPr>
+          <p:cNvSpPr>
+            <a:spLocks noGrp="1"/>
+          </p:cNvSpPr>
+          <p:nvPr>
+            <p:ph type="title"/>
+          </p:nvPr>
+        </p:nvSpPr>
+        <p:spPr/>
+        <p:txBody>
+          <a:bodyPr/>
+          <a:lstStyle/>
+          <a:p>
+            <a:r>
+              <a:rPr lang="en-BE" dirty="0"/>
+              <a:t>Acceleration structures</a:t>
+            </a:r>
+          </a:p>
+        </p:txBody>
+      </p:sp>
+      <p:sp>
+        <p:nvSpPr>
+          <p:cNvPr id="4" name="Text Placeholder 3">
+            <a:extLst>
+              <a:ext uri="{FF2B5EF4-FFF2-40B4-BE49-F238E27FC236}">
+                <a16:creationId xmlns:a16="http://schemas.microsoft.com/office/drawing/2014/main" id="{82214568-A3AD-9F46-0EA2-28B7C123E552}"/>
+              </a:ext>
+            </a:extLst>
+          </p:cNvPr>
+          <p:cNvSpPr>
+            <a:spLocks noGrp="1"/>
+          </p:cNvSpPr>
+          <p:nvPr>
+            <p:ph type="body" sz="half" idx="2"/>
+          </p:nvPr>
+        </p:nvSpPr>
+        <p:spPr/>
+        <p:txBody>
+          <a:bodyPr/>
+          <a:lstStyle/>
+          <a:p>
+            <a:pPr marL="285750" indent="-285750">
+              <a:buFontTx/>
+              <a:buChar char="-"/>
+            </a:pPr>
+            <a:r>
+              <a:rPr lang="en-BE" dirty="0"/>
+              <a:t>AABB</a:t>
+            </a:r>
+          </a:p>
+          <a:p>
+            <a:pPr marL="285750" indent="-285750">
+              <a:buFontTx/>
+              <a:buChar char="-"/>
+            </a:pPr>
+            <a:r>
+              <a:rPr lang="en-BE" dirty="0"/>
+              <a:t>BVH</a:t>
+            </a:r>
+          </a:p>
+        </p:txBody>
+      </p:sp>
+      <p:sp>
+        <p:nvSpPr>
+          <p:cNvPr id="5" name="Footer Placeholder 4">
+            <a:extLst>
+              <a:ext uri="{FF2B5EF4-FFF2-40B4-BE49-F238E27FC236}">
+                <a16:creationId xmlns:a16="http://schemas.microsoft.com/office/drawing/2014/main" id="{216F71B1-FF49-6429-E88F-F2A6B652BC8A}"/>
+              </a:ext>
+            </a:extLst>
+          </p:cNvPr>
+          <p:cNvSpPr>
+            <a:spLocks noGrp="1"/>
+          </p:cNvSpPr>
+          <p:nvPr>
+            <p:ph type="ftr" sz="quarter" idx="11"/>
+          </p:nvPr>
+        </p:nvSpPr>
+        <p:spPr/>
+        <p:txBody>
+          <a:bodyPr/>
+          <a:lstStyle/>
+          <a:p>
+            <a:r>
+              <a:rPr lang="en-GB" dirty="0"/>
+              <a:t>Applying AABB and BVH to </a:t>
+            </a:r>
+            <a:r>
+              <a:rPr lang="en-BE" dirty="0"/>
+              <a:t>s</a:t>
+            </a:r>
+            <a:r>
+              <a:rPr lang="en-GB" dirty="0" err="1"/>
+              <a:t>ph</a:t>
+            </a:r>
+            <a:r>
+              <a:rPr lang="en-BE" dirty="0"/>
+              <a:t>ere tracing </a:t>
+            </a:r>
+            <a:r>
+              <a:rPr lang="en-GB" dirty="0"/>
+              <a:t>ray marching - Adriaan Musschoot</a:t>
+            </a:r>
+            <a:endParaRPr lang="en-BE" dirty="0"/>
+          </a:p>
+        </p:txBody>
+      </p:sp>
+      <p:sp>
+        <p:nvSpPr>
+          <p:cNvPr id="6" name="Slide Number Placeholder 5">
+            <a:extLst>
+              <a:ext uri="{FF2B5EF4-FFF2-40B4-BE49-F238E27FC236}">
+                <a16:creationId xmlns:a16="http://schemas.microsoft.com/office/drawing/2014/main" id="{DEB023CF-5CE5-AD03-E537-068137234687}"/>
+              </a:ext>
+            </a:extLst>
+          </p:cNvPr>
+          <p:cNvSpPr>
+            <a:spLocks noGrp="1"/>
+          </p:cNvSpPr>
+          <p:nvPr>
+            <p:ph type="sldNum" sz="quarter" idx="12"/>
+          </p:nvPr>
+        </p:nvSpPr>
+        <p:spPr/>
+        <p:txBody>
+          <a:bodyPr/>
+          <a:lstStyle/>
+          <a:p>
+            <a:fld id="{09F0A2A8-970E-44A3-88EF-EFAC9376A105}" type="slidenum">
+              <a:rPr lang="en-BE" smtClean="0"/>
+              <a:t>5</a:t>
+            </a:fld>
+            <a:endParaRPr lang="en-BE"/>
+          </a:p>
+        </p:txBody>
+      </p:sp>
+      <p:pic>
+        <p:nvPicPr>
+          <p:cNvPr id="3088" name="Picture 16" descr="Mandelbulb — Wikipédia">
+            <a:extLst>
+              <a:ext uri="{FF2B5EF4-FFF2-40B4-BE49-F238E27FC236}">
+                <a16:creationId xmlns:a16="http://schemas.microsoft.com/office/drawing/2014/main" id="{6D87A81B-B44D-30A8-B63B-08524A73208A}"/>
+              </a:ext>
+            </a:extLst>
+          </p:cNvPr>
+          <p:cNvPicPr>
+            <a:picLocks noGrp="1" noChangeAspect="1" noChangeArrowheads="1"/>
+          </p:cNvPicPr>
+          <p:nvPr>
+            <p:ph type="pic" idx="1"/>
+          </p:nvPr>
+        </p:nvPicPr>
+        <p:blipFill>
+          <a:blip r:embed="rId2">
+            <a:extLst>
+              <a:ext uri="{28A0092B-C50C-407E-A947-70E740481C1C}">
+                <a14:useLocalDpi xmlns:a14="http://schemas.microsoft.com/office/drawing/2010/main" val="0"/>
+              </a:ext>
+            </a:extLst>
+          </a:blip>
+          <a:srcRect t="10520" b="10520"/>
+          <a:stretch>
+            <a:fillRect/>
+          </a:stretch>
+        </p:blipFill>
+        <p:spPr bwMode="auto">
+          <a:prstGeom prst="rect">
+            <a:avLst/>
+          </a:prstGeom>
+          <a:noFill/>
+          <a:extLst>
+            <a:ext uri="{909E8E84-426E-40DD-AFC4-6F175D3DCCD1}">
+              <a14:hiddenFill xmlns:a14="http://schemas.microsoft.com/office/drawing/2010/main">
+                <a:solidFill>
+                  <a:srgbClr val="FFFFFF"/>
+                </a:solidFill>
+              </a14:hiddenFill>
+            </a:ext>
+          </a:extLst>
+        </p:spPr>
+      </p:pic>
+    </p:spTree>
+    <p:extLst>
+      <p:ext uri="{BB962C8B-B14F-4D97-AF65-F5344CB8AC3E}">
+        <p14:creationId xmlns:p14="http://schemas.microsoft.com/office/powerpoint/2010/main" val="1803256905"/>
+      </p:ext>
+    </p:extLst>
+  </p:cSld>
+  <p:clrMapOvr>
+    <a:masterClrMapping/>
+  </p:clrMapOvr>
+</p:sld>
+</file>
+
+<file path=ppt/slides/slide6.xml><?xml version="1.0" encoding="utf-8"?>
+<p:sld xmlns:a="http://schemas.openxmlformats.org/drawingml/2006/main" xmlns:r="http://schemas.openxmlformats.org/officeDocument/2006/relationships" xmlns:p="http://schemas.openxmlformats.org/presentationml/2006/main">
+  <p:cSld>
+    <p:spTree>
+      <p:nvGrpSpPr>
+        <p:cNvPr id="1" name="">
+          <a:extLst>
+            <a:ext uri="{FF2B5EF4-FFF2-40B4-BE49-F238E27FC236}">
+              <a16:creationId xmlns:a16="http://schemas.microsoft.com/office/drawing/2014/main" id="{9B8C4D97-7ADA-50CC-1385-6342C2495870}"/>
+            </a:ext>
+          </a:extLst>
+        </p:cNvPr>
+        <p:cNvGrpSpPr/>
+        <p:nvPr/>
+      </p:nvGrpSpPr>
+      <p:grpSpPr>
+        <a:xfrm>
+          <a:off x="0" y="0"/>
+          <a:ext cx="0" cy="0"/>
+          <a:chOff x="0" y="0"/>
+          <a:chExt cx="0" cy="0"/>
+        </a:xfrm>
+      </p:grpSpPr>
+      <p:sp>
+        <p:nvSpPr>
+          <p:cNvPr id="2" name="Title 1">
+            <a:extLst>
+              <a:ext uri="{FF2B5EF4-FFF2-40B4-BE49-F238E27FC236}">
+                <a16:creationId xmlns:a16="http://schemas.microsoft.com/office/drawing/2014/main" id="{2E37D338-B149-06F4-05F6-2865F348DA03}"/>
+              </a:ext>
+            </a:extLst>
+          </p:cNvPr>
+          <p:cNvSpPr>
+            <a:spLocks noGrp="1"/>
+          </p:cNvSpPr>
+          <p:nvPr>
+            <p:ph type="title"/>
+          </p:nvPr>
+        </p:nvSpPr>
+        <p:spPr/>
+        <p:txBody>
+          <a:bodyPr/>
+          <a:lstStyle/>
+          <a:p>
+            <a:r>
+              <a:rPr lang="en-BE"/>
+              <a:t>Constructing AABB</a:t>
+            </a:r>
+            <a:endParaRPr lang="en-BE" dirty="0"/>
+          </a:p>
+        </p:txBody>
+      </p:sp>
+      <p:sp>
+        <p:nvSpPr>
+          <p:cNvPr id="4" name="Text Placeholder 3">
+            <a:extLst>
+              <a:ext uri="{FF2B5EF4-FFF2-40B4-BE49-F238E27FC236}">
+                <a16:creationId xmlns:a16="http://schemas.microsoft.com/office/drawing/2014/main" id="{7BB2187E-B1DF-A28B-4CA2-40474AEAF9B9}"/>
+              </a:ext>
+            </a:extLst>
+          </p:cNvPr>
+          <p:cNvSpPr>
+            <a:spLocks noGrp="1"/>
+          </p:cNvSpPr>
+          <p:nvPr>
+            <p:ph type="body" sz="half" idx="2"/>
+          </p:nvPr>
+        </p:nvSpPr>
+        <p:spPr/>
+        <p:txBody>
+          <a:bodyPr/>
+          <a:lstStyle/>
+          <a:p>
+            <a:pPr marL="285750" indent="-285750">
+              <a:buFontTx/>
+              <a:buChar char="-"/>
+            </a:pPr>
+            <a:endParaRPr lang="en-BE" dirty="0"/>
+          </a:p>
+        </p:txBody>
+      </p:sp>
+      <p:sp>
+        <p:nvSpPr>
+          <p:cNvPr id="5" name="Footer Placeholder 4">
+            <a:extLst>
+              <a:ext uri="{FF2B5EF4-FFF2-40B4-BE49-F238E27FC236}">
+                <a16:creationId xmlns:a16="http://schemas.microsoft.com/office/drawing/2014/main" id="{6DC25853-CE68-8B0F-67F7-CC1B10BC32BD}"/>
+              </a:ext>
+            </a:extLst>
+          </p:cNvPr>
+          <p:cNvSpPr>
+            <a:spLocks noGrp="1"/>
+          </p:cNvSpPr>
+          <p:nvPr>
+            <p:ph type="ftr" sz="quarter" idx="11"/>
+          </p:nvPr>
+        </p:nvSpPr>
+        <p:spPr/>
+        <p:txBody>
+          <a:bodyPr/>
+          <a:lstStyle/>
+          <a:p>
+            <a:r>
+              <a:rPr lang="en-GB" dirty="0"/>
+              <a:t>Applying AABB and BVH to </a:t>
+            </a:r>
+            <a:r>
+              <a:rPr lang="en-BE" dirty="0"/>
+              <a:t>s</a:t>
+            </a:r>
+            <a:r>
+              <a:rPr lang="en-GB" dirty="0" err="1"/>
+              <a:t>ph</a:t>
+            </a:r>
+            <a:r>
+              <a:rPr lang="en-BE" dirty="0"/>
+              <a:t>ere tracing </a:t>
+            </a:r>
+            <a:r>
+              <a:rPr lang="en-GB" dirty="0"/>
+              <a:t>ray marching - Adriaan Musschoot</a:t>
+            </a:r>
+            <a:endParaRPr lang="en-BE" dirty="0"/>
+          </a:p>
+        </p:txBody>
+      </p:sp>
+      <p:sp>
+        <p:nvSpPr>
+          <p:cNvPr id="6" name="Slide Number Placeholder 5">
+            <a:extLst>
+              <a:ext uri="{FF2B5EF4-FFF2-40B4-BE49-F238E27FC236}">
+                <a16:creationId xmlns:a16="http://schemas.microsoft.com/office/drawing/2014/main" id="{8DE90130-CB5C-2570-2F2C-4BB99758D831}"/>
+              </a:ext>
+            </a:extLst>
+          </p:cNvPr>
+          <p:cNvSpPr>
+            <a:spLocks noGrp="1"/>
+          </p:cNvSpPr>
+          <p:nvPr>
+            <p:ph type="sldNum" sz="quarter" idx="12"/>
+          </p:nvPr>
+        </p:nvSpPr>
+        <p:spPr/>
+        <p:txBody>
+          <a:bodyPr/>
+          <a:lstStyle/>
+          <a:p>
+            <a:fld id="{09F0A2A8-970E-44A3-88EF-EFAC9376A105}" type="slidenum">
+              <a:rPr lang="en-BE" smtClean="0"/>
+              <a:t>6</a:t>
+            </a:fld>
+            <a:endParaRPr lang="en-BE"/>
+          </a:p>
+        </p:txBody>
+      </p:sp>
+      <p:pic>
+        <p:nvPicPr>
+          <p:cNvPr id="3088" name="Picture 16" descr="Mandelbulb — Wikipédia">
+            <a:extLst>
+              <a:ext uri="{FF2B5EF4-FFF2-40B4-BE49-F238E27FC236}">
+                <a16:creationId xmlns:a16="http://schemas.microsoft.com/office/drawing/2014/main" id="{694E88BD-F373-606C-63BB-6B3861219672}"/>
+              </a:ext>
+            </a:extLst>
+          </p:cNvPr>
+          <p:cNvPicPr>
+            <a:picLocks noGrp="1" noChangeAspect="1" noChangeArrowheads="1"/>
+          </p:cNvPicPr>
+          <p:nvPr>
+            <p:ph type="pic" idx="1"/>
+          </p:nvPr>
+        </p:nvPicPr>
+        <p:blipFill>
+          <a:blip r:embed="rId2">
+            <a:extLst>
+              <a:ext uri="{28A0092B-C50C-407E-A947-70E740481C1C}">
+                <a14:useLocalDpi xmlns:a14="http://schemas.microsoft.com/office/drawing/2010/main" val="0"/>
+              </a:ext>
+            </a:extLst>
+          </a:blip>
+          <a:srcRect t="10520" b="10520"/>
+          <a:stretch>
+            <a:fillRect/>
+          </a:stretch>
+        </p:blipFill>
+        <p:spPr bwMode="auto">
+          <a:prstGeom prst="rect">
+            <a:avLst/>
+          </a:prstGeom>
+          <a:noFill/>
+          <a:extLst>
+            <a:ext uri="{909E8E84-426E-40DD-AFC4-6F175D3DCCD1}">
+              <a14:hiddenFill xmlns:a14="http://schemas.microsoft.com/office/drawing/2010/main">
+                <a:solidFill>
+                  <a:srgbClr val="FFFFFF"/>
+                </a:solidFill>
+              </a14:hiddenFill>
+            </a:ext>
+          </a:extLst>
+        </p:spPr>
+      </p:pic>
+    </p:spTree>
+    <p:extLst>
+      <p:ext uri="{BB962C8B-B14F-4D97-AF65-F5344CB8AC3E}">
+        <p14:creationId xmlns:p14="http://schemas.microsoft.com/office/powerpoint/2010/main" val="1719721255"/>
       </p:ext>
     </p:extLst>
   </p:cSld>

--- a/PresentationBachelorProef.pptx
+++ b/PresentationBachelorProef.pptx
@@ -4877,10 +4877,9 @@
           <a:lstStyle/>
           <a:p>
             <a:r>
-              <a:rPr lang="en-BE"/>
+              <a:rPr lang="en-BE" dirty="0"/>
               <a:t>Constructing AABB</a:t>
             </a:r>
-            <a:endParaRPr lang="en-BE" dirty="0"/>
           </a:p>
         </p:txBody>
       </p:sp>
